--- a/Components.pptx
+++ b/Components.pptx
@@ -3002,8 +3002,8 @@
           <a:lstStyle/>
           <a:p>
             <a:r>
-              <a:rPr lang="en-US" dirty="0" smtClean="0"/>
-              <a:t>AngularJS</a:t>
+              <a:rPr lang="en-US" smtClean="0"/>
+              <a:t>Components</a:t>
             </a:r>
             <a:endParaRPr lang="ru-RU" dirty="0"/>
           </a:p>
